--- a/Practica Profesionalizarte I.pptx
+++ b/Practica Profesionalizarte I.pptx
@@ -107,6 +107,22 @@
       </a:defRPr>
     </a:lvl9pPr>
   </p:defaultTextStyle>
+  <p:extLst>
+    <p:ext uri="{EFAFB233-063F-42B5-8137-9DF3F51BA10A}">
+      <p15:sldGuideLst xmlns:p15="http://schemas.microsoft.com/office/powerpoint/2012/main">
+        <p15:guide id="1" orient="horz" pos="2160">
+          <p15:clr>
+            <a:srgbClr val="A4A3A4"/>
+          </p15:clr>
+        </p15:guide>
+        <p15:guide id="2" pos="2880">
+          <p15:clr>
+            <a:srgbClr val="A4A3A4"/>
+          </p15:clr>
+        </p15:guide>
+      </p15:sldGuideLst>
+    </p:ext>
+  </p:extLst>
 </p:presentation>
 </file>
 
@@ -148,7 +164,7 @@
           <a:lstStyle/>
           <a:p>
             <a:r>
-              <a:rPr lang="es-ES" smtClean="0"/>
+              <a:rPr lang="es-ES"/>
               <a:t>Haga clic para modificar el estilo de título del patrón</a:t>
             </a:r>
             <a:endParaRPr lang="es-AR"/>
@@ -267,7 +283,7 @@
           </a:lstStyle>
           <a:p>
             <a:r>
-              <a:rPr lang="es-ES" smtClean="0"/>
+              <a:rPr lang="es-ES"/>
               <a:t>Haga clic para modificar el estilo de subtítulo del patrón</a:t>
             </a:r>
             <a:endParaRPr lang="es-AR"/>
@@ -291,7 +307,7 @@
           <a:p>
             <a:fld id="{85D8ADCC-7FDF-416F-ACA4-CF9FCDCFA57E}" type="datetimeFigureOut">
               <a:rPr lang="es-AR" smtClean="0"/>
-              <a:t>15/11/2021</a:t>
+              <a:t>29/11/2021</a:t>
             </a:fld>
             <a:endParaRPr lang="es-AR"/>
           </a:p>
@@ -385,7 +401,7 @@
           <a:lstStyle/>
           <a:p>
             <a:r>
-              <a:rPr lang="es-ES" smtClean="0"/>
+              <a:rPr lang="es-ES"/>
               <a:t>Haga clic para modificar el estilo de título del patrón</a:t>
             </a:r>
             <a:endParaRPr lang="es-AR"/>
@@ -409,35 +425,35 @@
           <a:p>
             <a:pPr lvl="0"/>
             <a:r>
-              <a:rPr lang="es-ES" smtClean="0"/>
+              <a:rPr lang="es-ES"/>
               <a:t>Haga clic para modificar el estilo de texto del patrón</a:t>
             </a:r>
           </a:p>
           <a:p>
             <a:pPr lvl="1"/>
             <a:r>
-              <a:rPr lang="es-ES" smtClean="0"/>
+              <a:rPr lang="es-ES"/>
               <a:t>Segundo nivel</a:t>
             </a:r>
           </a:p>
           <a:p>
             <a:pPr lvl="2"/>
             <a:r>
-              <a:rPr lang="es-ES" smtClean="0"/>
+              <a:rPr lang="es-ES"/>
               <a:t>Tercer nivel</a:t>
             </a:r>
           </a:p>
           <a:p>
             <a:pPr lvl="3"/>
             <a:r>
-              <a:rPr lang="es-ES" smtClean="0"/>
+              <a:rPr lang="es-ES"/>
               <a:t>Cuarto nivel</a:t>
             </a:r>
           </a:p>
           <a:p>
             <a:pPr lvl="4"/>
             <a:r>
-              <a:rPr lang="es-ES" smtClean="0"/>
+              <a:rPr lang="es-ES"/>
               <a:t>Quinto nivel</a:t>
             </a:r>
             <a:endParaRPr lang="es-AR"/>
@@ -461,7 +477,7 @@
           <a:p>
             <a:fld id="{85D8ADCC-7FDF-416F-ACA4-CF9FCDCFA57E}" type="datetimeFigureOut">
               <a:rPr lang="es-AR" smtClean="0"/>
-              <a:t>15/11/2021</a:t>
+              <a:t>29/11/2021</a:t>
             </a:fld>
             <a:endParaRPr lang="es-AR"/>
           </a:p>
@@ -560,7 +576,7 @@
           <a:lstStyle/>
           <a:p>
             <a:r>
-              <a:rPr lang="es-ES" smtClean="0"/>
+              <a:rPr lang="es-ES"/>
               <a:t>Haga clic para modificar el estilo de título del patrón</a:t>
             </a:r>
             <a:endParaRPr lang="es-AR"/>
@@ -589,35 +605,35 @@
           <a:p>
             <a:pPr lvl="0"/>
             <a:r>
-              <a:rPr lang="es-ES" smtClean="0"/>
+              <a:rPr lang="es-ES"/>
               <a:t>Haga clic para modificar el estilo de texto del patrón</a:t>
             </a:r>
           </a:p>
           <a:p>
             <a:pPr lvl="1"/>
             <a:r>
-              <a:rPr lang="es-ES" smtClean="0"/>
+              <a:rPr lang="es-ES"/>
               <a:t>Segundo nivel</a:t>
             </a:r>
           </a:p>
           <a:p>
             <a:pPr lvl="2"/>
             <a:r>
-              <a:rPr lang="es-ES" smtClean="0"/>
+              <a:rPr lang="es-ES"/>
               <a:t>Tercer nivel</a:t>
             </a:r>
           </a:p>
           <a:p>
             <a:pPr lvl="3"/>
             <a:r>
-              <a:rPr lang="es-ES" smtClean="0"/>
+              <a:rPr lang="es-ES"/>
               <a:t>Cuarto nivel</a:t>
             </a:r>
           </a:p>
           <a:p>
             <a:pPr lvl="4"/>
             <a:r>
-              <a:rPr lang="es-ES" smtClean="0"/>
+              <a:rPr lang="es-ES"/>
               <a:t>Quinto nivel</a:t>
             </a:r>
             <a:endParaRPr lang="es-AR"/>
@@ -641,7 +657,7 @@
           <a:p>
             <a:fld id="{85D8ADCC-7FDF-416F-ACA4-CF9FCDCFA57E}" type="datetimeFigureOut">
               <a:rPr lang="es-AR" smtClean="0"/>
-              <a:t>15/11/2021</a:t>
+              <a:t>29/11/2021</a:t>
             </a:fld>
             <a:endParaRPr lang="es-AR"/>
           </a:p>
@@ -735,7 +751,7 @@
           <a:lstStyle/>
           <a:p>
             <a:r>
-              <a:rPr lang="es-ES" smtClean="0"/>
+              <a:rPr lang="es-ES"/>
               <a:t>Haga clic para modificar el estilo de título del patrón</a:t>
             </a:r>
             <a:endParaRPr lang="es-AR"/>
@@ -759,35 +775,35 @@
           <a:p>
             <a:pPr lvl="0"/>
             <a:r>
-              <a:rPr lang="es-ES" smtClean="0"/>
+              <a:rPr lang="es-ES"/>
               <a:t>Haga clic para modificar el estilo de texto del patrón</a:t>
             </a:r>
           </a:p>
           <a:p>
             <a:pPr lvl="1"/>
             <a:r>
-              <a:rPr lang="es-ES" smtClean="0"/>
+              <a:rPr lang="es-ES"/>
               <a:t>Segundo nivel</a:t>
             </a:r>
           </a:p>
           <a:p>
             <a:pPr lvl="2"/>
             <a:r>
-              <a:rPr lang="es-ES" smtClean="0"/>
+              <a:rPr lang="es-ES"/>
               <a:t>Tercer nivel</a:t>
             </a:r>
           </a:p>
           <a:p>
             <a:pPr lvl="3"/>
             <a:r>
-              <a:rPr lang="es-ES" smtClean="0"/>
+              <a:rPr lang="es-ES"/>
               <a:t>Cuarto nivel</a:t>
             </a:r>
           </a:p>
           <a:p>
             <a:pPr lvl="4"/>
             <a:r>
-              <a:rPr lang="es-ES" smtClean="0"/>
+              <a:rPr lang="es-ES"/>
               <a:t>Quinto nivel</a:t>
             </a:r>
             <a:endParaRPr lang="es-AR"/>
@@ -811,7 +827,7 @@
           <a:p>
             <a:fld id="{85D8ADCC-7FDF-416F-ACA4-CF9FCDCFA57E}" type="datetimeFigureOut">
               <a:rPr lang="es-AR" smtClean="0"/>
-              <a:t>15/11/2021</a:t>
+              <a:t>29/11/2021</a:t>
             </a:fld>
             <a:endParaRPr lang="es-AR"/>
           </a:p>
@@ -914,7 +930,7 @@
           </a:lstStyle>
           <a:p>
             <a:r>
-              <a:rPr lang="es-ES" smtClean="0"/>
+              <a:rPr lang="es-ES"/>
               <a:t>Haga clic para modificar el estilo de título del patrón</a:t>
             </a:r>
             <a:endParaRPr lang="es-AR"/>
@@ -1034,7 +1050,7 @@
           <a:p>
             <a:pPr lvl="0"/>
             <a:r>
-              <a:rPr lang="es-ES" smtClean="0"/>
+              <a:rPr lang="es-ES"/>
               <a:t>Haga clic para modificar el estilo de texto del patrón</a:t>
             </a:r>
           </a:p>
@@ -1057,7 +1073,7 @@
           <a:p>
             <a:fld id="{85D8ADCC-7FDF-416F-ACA4-CF9FCDCFA57E}" type="datetimeFigureOut">
               <a:rPr lang="es-AR" smtClean="0"/>
-              <a:t>15/11/2021</a:t>
+              <a:t>29/11/2021</a:t>
             </a:fld>
             <a:endParaRPr lang="es-AR"/>
           </a:p>
@@ -1151,7 +1167,7 @@
           <a:lstStyle/>
           <a:p>
             <a:r>
-              <a:rPr lang="es-ES" smtClean="0"/>
+              <a:rPr lang="es-ES"/>
               <a:t>Haga clic para modificar el estilo de título del patrón</a:t>
             </a:r>
             <a:endParaRPr lang="es-AR"/>
@@ -1208,35 +1224,35 @@
           <a:p>
             <a:pPr lvl="0"/>
             <a:r>
-              <a:rPr lang="es-ES" smtClean="0"/>
+              <a:rPr lang="es-ES"/>
               <a:t>Haga clic para modificar el estilo de texto del patrón</a:t>
             </a:r>
           </a:p>
           <a:p>
             <a:pPr lvl="1"/>
             <a:r>
-              <a:rPr lang="es-ES" smtClean="0"/>
+              <a:rPr lang="es-ES"/>
               <a:t>Segundo nivel</a:t>
             </a:r>
           </a:p>
           <a:p>
             <a:pPr lvl="2"/>
             <a:r>
-              <a:rPr lang="es-ES" smtClean="0"/>
+              <a:rPr lang="es-ES"/>
               <a:t>Tercer nivel</a:t>
             </a:r>
           </a:p>
           <a:p>
             <a:pPr lvl="3"/>
             <a:r>
-              <a:rPr lang="es-ES" smtClean="0"/>
+              <a:rPr lang="es-ES"/>
               <a:t>Cuarto nivel</a:t>
             </a:r>
           </a:p>
           <a:p>
             <a:pPr lvl="4"/>
             <a:r>
-              <a:rPr lang="es-ES" smtClean="0"/>
+              <a:rPr lang="es-ES"/>
               <a:t>Quinto nivel</a:t>
             </a:r>
             <a:endParaRPr lang="es-AR"/>
@@ -1293,35 +1309,35 @@
           <a:p>
             <a:pPr lvl="0"/>
             <a:r>
-              <a:rPr lang="es-ES" smtClean="0"/>
+              <a:rPr lang="es-ES"/>
               <a:t>Haga clic para modificar el estilo de texto del patrón</a:t>
             </a:r>
           </a:p>
           <a:p>
             <a:pPr lvl="1"/>
             <a:r>
-              <a:rPr lang="es-ES" smtClean="0"/>
+              <a:rPr lang="es-ES"/>
               <a:t>Segundo nivel</a:t>
             </a:r>
           </a:p>
           <a:p>
             <a:pPr lvl="2"/>
             <a:r>
-              <a:rPr lang="es-ES" smtClean="0"/>
+              <a:rPr lang="es-ES"/>
               <a:t>Tercer nivel</a:t>
             </a:r>
           </a:p>
           <a:p>
             <a:pPr lvl="3"/>
             <a:r>
-              <a:rPr lang="es-ES" smtClean="0"/>
+              <a:rPr lang="es-ES"/>
               <a:t>Cuarto nivel</a:t>
             </a:r>
           </a:p>
           <a:p>
             <a:pPr lvl="4"/>
             <a:r>
-              <a:rPr lang="es-ES" smtClean="0"/>
+              <a:rPr lang="es-ES"/>
               <a:t>Quinto nivel</a:t>
             </a:r>
             <a:endParaRPr lang="es-AR"/>
@@ -1345,7 +1361,7 @@
           <a:p>
             <a:fld id="{85D8ADCC-7FDF-416F-ACA4-CF9FCDCFA57E}" type="datetimeFigureOut">
               <a:rPr lang="es-AR" smtClean="0"/>
-              <a:t>15/11/2021</a:t>
+              <a:t>29/11/2021</a:t>
             </a:fld>
             <a:endParaRPr lang="es-AR"/>
           </a:p>
@@ -1443,7 +1459,7 @@
           </a:lstStyle>
           <a:p>
             <a:r>
-              <a:rPr lang="es-ES" smtClean="0"/>
+              <a:rPr lang="es-ES"/>
               <a:t>Haga clic para modificar el estilo de título del patrón</a:t>
             </a:r>
             <a:endParaRPr lang="es-AR"/>
@@ -1509,7 +1525,7 @@
           <a:p>
             <a:pPr lvl="0"/>
             <a:r>
-              <a:rPr lang="es-ES" smtClean="0"/>
+              <a:rPr lang="es-ES"/>
               <a:t>Haga clic para modificar el estilo de texto del patrón</a:t>
             </a:r>
           </a:p>
@@ -1565,35 +1581,35 @@
           <a:p>
             <a:pPr lvl="0"/>
             <a:r>
-              <a:rPr lang="es-ES" smtClean="0"/>
+              <a:rPr lang="es-ES"/>
               <a:t>Haga clic para modificar el estilo de texto del patrón</a:t>
             </a:r>
           </a:p>
           <a:p>
             <a:pPr lvl="1"/>
             <a:r>
-              <a:rPr lang="es-ES" smtClean="0"/>
+              <a:rPr lang="es-ES"/>
               <a:t>Segundo nivel</a:t>
             </a:r>
           </a:p>
           <a:p>
             <a:pPr lvl="2"/>
             <a:r>
-              <a:rPr lang="es-ES" smtClean="0"/>
+              <a:rPr lang="es-ES"/>
               <a:t>Tercer nivel</a:t>
             </a:r>
           </a:p>
           <a:p>
             <a:pPr lvl="3"/>
             <a:r>
-              <a:rPr lang="es-ES" smtClean="0"/>
+              <a:rPr lang="es-ES"/>
               <a:t>Cuarto nivel</a:t>
             </a:r>
           </a:p>
           <a:p>
             <a:pPr lvl="4"/>
             <a:r>
-              <a:rPr lang="es-ES" smtClean="0"/>
+              <a:rPr lang="es-ES"/>
               <a:t>Quinto nivel</a:t>
             </a:r>
             <a:endParaRPr lang="es-AR"/>
@@ -1659,7 +1675,7 @@
           <a:p>
             <a:pPr lvl="0"/>
             <a:r>
-              <a:rPr lang="es-ES" smtClean="0"/>
+              <a:rPr lang="es-ES"/>
               <a:t>Haga clic para modificar el estilo de texto del patrón</a:t>
             </a:r>
           </a:p>
@@ -1715,35 +1731,35 @@
           <a:p>
             <a:pPr lvl="0"/>
             <a:r>
-              <a:rPr lang="es-ES" smtClean="0"/>
+              <a:rPr lang="es-ES"/>
               <a:t>Haga clic para modificar el estilo de texto del patrón</a:t>
             </a:r>
           </a:p>
           <a:p>
             <a:pPr lvl="1"/>
             <a:r>
-              <a:rPr lang="es-ES" smtClean="0"/>
+              <a:rPr lang="es-ES"/>
               <a:t>Segundo nivel</a:t>
             </a:r>
           </a:p>
           <a:p>
             <a:pPr lvl="2"/>
             <a:r>
-              <a:rPr lang="es-ES" smtClean="0"/>
+              <a:rPr lang="es-ES"/>
               <a:t>Tercer nivel</a:t>
             </a:r>
           </a:p>
           <a:p>
             <a:pPr lvl="3"/>
             <a:r>
-              <a:rPr lang="es-ES" smtClean="0"/>
+              <a:rPr lang="es-ES"/>
               <a:t>Cuarto nivel</a:t>
             </a:r>
           </a:p>
           <a:p>
             <a:pPr lvl="4"/>
             <a:r>
-              <a:rPr lang="es-ES" smtClean="0"/>
+              <a:rPr lang="es-ES"/>
               <a:t>Quinto nivel</a:t>
             </a:r>
             <a:endParaRPr lang="es-AR"/>
@@ -1767,7 +1783,7 @@
           <a:p>
             <a:fld id="{85D8ADCC-7FDF-416F-ACA4-CF9FCDCFA57E}" type="datetimeFigureOut">
               <a:rPr lang="es-AR" smtClean="0"/>
-              <a:t>15/11/2021</a:t>
+              <a:t>29/11/2021</a:t>
             </a:fld>
             <a:endParaRPr lang="es-AR"/>
           </a:p>
@@ -1861,7 +1877,7 @@
           <a:lstStyle/>
           <a:p>
             <a:r>
-              <a:rPr lang="es-ES" smtClean="0"/>
+              <a:rPr lang="es-ES"/>
               <a:t>Haga clic para modificar el estilo de título del patrón</a:t>
             </a:r>
             <a:endParaRPr lang="es-AR"/>
@@ -1885,7 +1901,7 @@
           <a:p>
             <a:fld id="{85D8ADCC-7FDF-416F-ACA4-CF9FCDCFA57E}" type="datetimeFigureOut">
               <a:rPr lang="es-AR" smtClean="0"/>
-              <a:t>15/11/2021</a:t>
+              <a:t>29/11/2021</a:t>
             </a:fld>
             <a:endParaRPr lang="es-AR"/>
           </a:p>
@@ -1980,7 +1996,7 @@
           <a:p>
             <a:fld id="{85D8ADCC-7FDF-416F-ACA4-CF9FCDCFA57E}" type="datetimeFigureOut">
               <a:rPr lang="es-AR" smtClean="0"/>
-              <a:t>15/11/2021</a:t>
+              <a:t>29/11/2021</a:t>
             </a:fld>
             <a:endParaRPr lang="es-AR"/>
           </a:p>
@@ -2083,7 +2099,7 @@
           </a:lstStyle>
           <a:p>
             <a:r>
-              <a:rPr lang="es-ES" smtClean="0"/>
+              <a:rPr lang="es-ES"/>
               <a:t>Haga clic para modificar el estilo de título del patrón</a:t>
             </a:r>
             <a:endParaRPr lang="es-AR"/>
@@ -2140,35 +2156,35 @@
           <a:p>
             <a:pPr lvl="0"/>
             <a:r>
-              <a:rPr lang="es-ES" smtClean="0"/>
+              <a:rPr lang="es-ES"/>
               <a:t>Haga clic para modificar el estilo de texto del patrón</a:t>
             </a:r>
           </a:p>
           <a:p>
             <a:pPr lvl="1"/>
             <a:r>
-              <a:rPr lang="es-ES" smtClean="0"/>
+              <a:rPr lang="es-ES"/>
               <a:t>Segundo nivel</a:t>
             </a:r>
           </a:p>
           <a:p>
             <a:pPr lvl="2"/>
             <a:r>
-              <a:rPr lang="es-ES" smtClean="0"/>
+              <a:rPr lang="es-ES"/>
               <a:t>Tercer nivel</a:t>
             </a:r>
           </a:p>
           <a:p>
             <a:pPr lvl="3"/>
             <a:r>
-              <a:rPr lang="es-ES" smtClean="0"/>
+              <a:rPr lang="es-ES"/>
               <a:t>Cuarto nivel</a:t>
             </a:r>
           </a:p>
           <a:p>
             <a:pPr lvl="4"/>
             <a:r>
-              <a:rPr lang="es-ES" smtClean="0"/>
+              <a:rPr lang="es-ES"/>
               <a:t>Quinto nivel</a:t>
             </a:r>
             <a:endParaRPr lang="es-AR"/>
@@ -2234,7 +2250,7 @@
           <a:p>
             <a:pPr lvl="0"/>
             <a:r>
-              <a:rPr lang="es-ES" smtClean="0"/>
+              <a:rPr lang="es-ES"/>
               <a:t>Haga clic para modificar el estilo de texto del patrón</a:t>
             </a:r>
           </a:p>
@@ -2257,7 +2273,7 @@
           <a:p>
             <a:fld id="{85D8ADCC-7FDF-416F-ACA4-CF9FCDCFA57E}" type="datetimeFigureOut">
               <a:rPr lang="es-AR" smtClean="0"/>
-              <a:t>15/11/2021</a:t>
+              <a:t>29/11/2021</a:t>
             </a:fld>
             <a:endParaRPr lang="es-AR"/>
           </a:p>
@@ -2360,7 +2376,7 @@
           </a:lstStyle>
           <a:p>
             <a:r>
-              <a:rPr lang="es-ES" smtClean="0"/>
+              <a:rPr lang="es-ES"/>
               <a:t>Haga clic para modificar el estilo de título del patrón</a:t>
             </a:r>
             <a:endParaRPr lang="es-AR"/>
@@ -2487,7 +2503,7 @@
           <a:p>
             <a:pPr lvl="0"/>
             <a:r>
-              <a:rPr lang="es-ES" smtClean="0"/>
+              <a:rPr lang="es-ES"/>
               <a:t>Haga clic para modificar el estilo de texto del patrón</a:t>
             </a:r>
           </a:p>
@@ -2510,7 +2526,7 @@
           <a:p>
             <a:fld id="{85D8ADCC-7FDF-416F-ACA4-CF9FCDCFA57E}" type="datetimeFigureOut">
               <a:rPr lang="es-AR" smtClean="0"/>
-              <a:t>15/11/2021</a:t>
+              <a:t>29/11/2021</a:t>
             </a:fld>
             <a:endParaRPr lang="es-AR"/>
           </a:p>
@@ -2619,7 +2635,7 @@
           <a:lstStyle/>
           <a:p>
             <a:r>
-              <a:rPr lang="es-ES" smtClean="0"/>
+              <a:rPr lang="es-ES"/>
               <a:t>Haga clic para modificar el estilo de título del patrón</a:t>
             </a:r>
             <a:endParaRPr lang="es-AR"/>
@@ -2653,35 +2669,35 @@
           <a:p>
             <a:pPr lvl="0"/>
             <a:r>
-              <a:rPr lang="es-ES" smtClean="0"/>
+              <a:rPr lang="es-ES"/>
               <a:t>Haga clic para modificar el estilo de texto del patrón</a:t>
             </a:r>
           </a:p>
           <a:p>
             <a:pPr lvl="1"/>
             <a:r>
-              <a:rPr lang="es-ES" smtClean="0"/>
+              <a:rPr lang="es-ES"/>
               <a:t>Segundo nivel</a:t>
             </a:r>
           </a:p>
           <a:p>
             <a:pPr lvl="2"/>
             <a:r>
-              <a:rPr lang="es-ES" smtClean="0"/>
+              <a:rPr lang="es-ES"/>
               <a:t>Tercer nivel</a:t>
             </a:r>
           </a:p>
           <a:p>
             <a:pPr lvl="3"/>
             <a:r>
-              <a:rPr lang="es-ES" smtClean="0"/>
+              <a:rPr lang="es-ES"/>
               <a:t>Cuarto nivel</a:t>
             </a:r>
           </a:p>
           <a:p>
             <a:pPr lvl="4"/>
             <a:r>
-              <a:rPr lang="es-ES" smtClean="0"/>
+              <a:rPr lang="es-ES"/>
               <a:t>Quinto nivel</a:t>
             </a:r>
             <a:endParaRPr lang="es-AR"/>
@@ -2723,7 +2739,7 @@
           <a:p>
             <a:fld id="{85D8ADCC-7FDF-416F-ACA4-CF9FCDCFA57E}" type="datetimeFigureOut">
               <a:rPr lang="es-AR" smtClean="0"/>
-              <a:t>15/11/2021</a:t>
+              <a:t>29/11/2021</a:t>
             </a:fld>
             <a:endParaRPr lang="es-AR"/>
           </a:p>
@@ -3149,10 +3165,9 @@
           <a:lstStyle/>
           <a:p>
             <a:r>
-              <a:rPr lang="es-AR" dirty="0" smtClean="0"/>
+              <a:rPr lang="es-AR" dirty="0"/>
               <a:t>Practica Profesionalizarte I</a:t>
             </a:r>
-            <a:endParaRPr lang="es-AR" dirty="0"/>
           </a:p>
         </p:txBody>
       </p:sp>
@@ -3178,29 +3193,14 @@
           <a:p>
             <a:r>
               <a:rPr lang="es-AR" b="1" dirty="0"/>
-              <a:t>TSCDIA </a:t>
-            </a:r>
-            <a:r>
-              <a:rPr lang="es-AR" b="1" dirty="0" smtClean="0"/>
-              <a:t>– 2021</a:t>
-            </a:r>
-          </a:p>
-          <a:p>
-            <a:r>
-              <a:rPr lang="es-AR" b="1" dirty="0" smtClean="0"/>
+              <a:t>TSCDIA – 2021</a:t>
+            </a:r>
+          </a:p>
+          <a:p>
+            <a:r>
+              <a:rPr lang="es-AR" b="1" dirty="0"/>
               <a:t>Aula 1- Grupo 7</a:t>
             </a:r>
-          </a:p>
-          <a:p>
-            <a:r>
-              <a:rPr lang="es-AR" b="1" dirty="0" smtClean="0"/>
-              <a:t>Oscar Ferreira – Viviana </a:t>
-            </a:r>
-            <a:r>
-              <a:rPr lang="es-AR" b="1" dirty="0" err="1" smtClean="0"/>
-              <a:t>Farabollini</a:t>
-            </a:r>
-            <a:endParaRPr lang="es-AR" b="1" dirty="0" smtClean="0"/>
           </a:p>
           <a:p>
             <a:endParaRPr lang="es-AR" dirty="0"/>
@@ -3306,12 +3306,46 @@
           <a:lstStyle/>
           <a:p>
             <a:r>
-              <a:rPr lang="es-AR" dirty="0" smtClean="0">
+              <a:rPr lang="es-AR" dirty="0">
                 <a:solidFill>
                   <a:schemeClr val="bg1"/>
                 </a:solidFill>
               </a:rPr>
               <a:t>Sprint I</a:t>
+            </a:r>
+          </a:p>
+        </p:txBody>
+      </p:sp>
+      <p:sp>
+        <p:nvSpPr>
+          <p:cNvPr id="3" name="2 Marcador de contenido"/>
+          <p:cNvSpPr>
+            <a:spLocks noGrp="1"/>
+          </p:cNvSpPr>
+          <p:nvPr>
+            <p:ph idx="1"/>
+          </p:nvPr>
+        </p:nvSpPr>
+        <p:spPr/>
+        <p:txBody>
+          <a:bodyPr/>
+          <a:lstStyle/>
+          <a:p>
+            <a:r>
+              <a:rPr lang="es-AR" dirty="0">
+                <a:solidFill>
+                  <a:schemeClr val="bg1"/>
+                </a:solidFill>
+              </a:rPr>
+              <a:t>Introducción a Web </a:t>
+            </a:r>
+            <a:r>
+              <a:rPr lang="es-AR" dirty="0" err="1">
+                <a:solidFill>
+                  <a:schemeClr val="bg1"/>
+                </a:solidFill>
+              </a:rPr>
+              <a:t>Scrapping</a:t>
             </a:r>
             <a:endParaRPr lang="es-AR" dirty="0">
               <a:solidFill>
@@ -3319,48 +3353,9 @@
               </a:solidFill>
             </a:endParaRPr>
           </a:p>
-        </p:txBody>
-      </p:sp>
-      <p:sp>
-        <p:nvSpPr>
-          <p:cNvPr id="3" name="2 Marcador de contenido"/>
-          <p:cNvSpPr>
-            <a:spLocks noGrp="1"/>
-          </p:cNvSpPr>
-          <p:nvPr>
-            <p:ph idx="1"/>
-          </p:nvPr>
-        </p:nvSpPr>
-        <p:spPr/>
-        <p:txBody>
-          <a:bodyPr/>
-          <a:lstStyle/>
-          <a:p>
-            <a:r>
-              <a:rPr lang="es-AR" dirty="0" smtClean="0">
-                <a:solidFill>
-                  <a:schemeClr val="bg1"/>
-                </a:solidFill>
-              </a:rPr>
-              <a:t>Introducción a Web </a:t>
-            </a:r>
-            <a:r>
-              <a:rPr lang="es-AR" dirty="0" err="1" smtClean="0">
-                <a:solidFill>
-                  <a:schemeClr val="bg1"/>
-                </a:solidFill>
-              </a:rPr>
-              <a:t>Scrapping</a:t>
-            </a:r>
-            <a:endParaRPr lang="es-AR" dirty="0" smtClean="0">
-              <a:solidFill>
-                <a:schemeClr val="bg1"/>
-              </a:solidFill>
-            </a:endParaRPr>
-          </a:p>
-          <a:p>
-            <a:r>
-              <a:rPr lang="es-AR" dirty="0" smtClean="0">
+          <a:p>
+            <a:r>
+              <a:rPr lang="es-AR" dirty="0">
                 <a:solidFill>
                   <a:schemeClr val="bg1"/>
                 </a:solidFill>
@@ -3368,7 +3363,7 @@
               <a:t>Introducción a </a:t>
             </a:r>
             <a:r>
-              <a:rPr lang="es-AR" dirty="0" err="1" smtClean="0">
+              <a:rPr lang="es-AR" dirty="0" err="1">
                 <a:solidFill>
                   <a:schemeClr val="bg1"/>
                 </a:solidFill>
@@ -3376,7 +3371,7 @@
               <a:t>Yahoo</a:t>
             </a:r>
             <a:r>
-              <a:rPr lang="es-AR" dirty="0" smtClean="0">
+              <a:rPr lang="es-AR" dirty="0">
                 <a:solidFill>
                   <a:schemeClr val="bg1"/>
                 </a:solidFill>
@@ -3384,77 +3379,72 @@
               <a:t> </a:t>
             </a:r>
             <a:r>
-              <a:rPr lang="es-AR" dirty="0" err="1" smtClean="0">
+              <a:rPr lang="es-AR" dirty="0" err="1">
                 <a:solidFill>
                   <a:schemeClr val="bg1"/>
                 </a:solidFill>
               </a:rPr>
               <a:t>Finance</a:t>
-            </a:r>
-            <a:endParaRPr lang="es-AR" dirty="0" smtClean="0">
-              <a:solidFill>
-                <a:schemeClr val="bg1"/>
-              </a:solidFill>
-            </a:endParaRPr>
-          </a:p>
-          <a:p>
-            <a:r>
-              <a:rPr lang="es-AR" dirty="0" smtClean="0">
-                <a:solidFill>
-                  <a:schemeClr val="bg1"/>
-                </a:solidFill>
-              </a:rPr>
-              <a:t>Diseño de Funciones</a:t>
-            </a:r>
-          </a:p>
-          <a:p>
-            <a:r>
-              <a:rPr lang="es-AR" dirty="0" err="1" smtClean="0">
-                <a:solidFill>
-                  <a:schemeClr val="bg1"/>
-                </a:solidFill>
-              </a:rPr>
-              <a:t>Integracion</a:t>
-            </a:r>
-            <a:r>
-              <a:rPr lang="es-AR" dirty="0" smtClean="0">
-                <a:solidFill>
-                  <a:schemeClr val="bg1"/>
-                </a:solidFill>
-              </a:rPr>
-              <a:t> de conceptos</a:t>
-            </a:r>
-          </a:p>
-          <a:p>
-            <a:r>
-              <a:rPr lang="es-AR" dirty="0" smtClean="0">
-                <a:solidFill>
-                  <a:schemeClr val="bg1"/>
-                </a:solidFill>
-              </a:rPr>
-              <a:t>Desarrollo de Reportes con </a:t>
-            </a:r>
-            <a:r>
-              <a:rPr lang="es-AR" dirty="0" err="1" smtClean="0">
-                <a:solidFill>
-                  <a:schemeClr val="bg1"/>
-                </a:solidFill>
-              </a:rPr>
-              <a:t>Jupyter</a:t>
-            </a:r>
-            <a:r>
-              <a:rPr lang="es-AR" dirty="0" smtClean="0">
-                <a:solidFill>
-                  <a:schemeClr val="bg1"/>
-                </a:solidFill>
-              </a:rPr>
-              <a:t> Notebook</a:t>
             </a:r>
             <a:endParaRPr lang="es-AR" dirty="0">
               <a:solidFill>
                 <a:schemeClr val="bg1"/>
               </a:solidFill>
             </a:endParaRPr>
+          </a:p>
+          <a:p>
+            <a:r>
+              <a:rPr lang="es-AR" dirty="0">
+                <a:solidFill>
+                  <a:schemeClr val="bg1"/>
+                </a:solidFill>
+              </a:rPr>
+              <a:t>Diseño de Funciones</a:t>
+            </a:r>
+          </a:p>
+          <a:p>
+            <a:r>
+              <a:rPr lang="es-AR" dirty="0" err="1">
+                <a:solidFill>
+                  <a:schemeClr val="bg1"/>
+                </a:solidFill>
+              </a:rPr>
+              <a:t>Integracion</a:t>
+            </a:r>
+            <a:r>
+              <a:rPr lang="es-AR" dirty="0">
+                <a:solidFill>
+                  <a:schemeClr val="bg1"/>
+                </a:solidFill>
+              </a:rPr>
+              <a:t> de conceptos</a:t>
+            </a:r>
+          </a:p>
+          <a:p>
+            <a:r>
+              <a:rPr lang="es-AR" dirty="0">
+                <a:solidFill>
+                  <a:schemeClr val="bg1"/>
+                </a:solidFill>
+              </a:rPr>
+              <a:t>Desarrollo de Reportes con </a:t>
+            </a:r>
+            <a:r>
+              <a:rPr lang="es-AR" dirty="0" err="1">
+                <a:solidFill>
+                  <a:schemeClr val="bg1"/>
+                </a:solidFill>
+              </a:rPr>
+              <a:t>Jupyter</a:t>
+            </a:r>
+            <a:r>
+              <a:rPr lang="es-AR" dirty="0">
+                <a:solidFill>
+                  <a:schemeClr val="bg1"/>
+                </a:solidFill>
+              </a:rPr>
+              <a:t> Notebook</a:t>
+            </a:r>
           </a:p>
         </p:txBody>
       </p:sp>
@@ -3516,18 +3506,13 @@
           <a:lstStyle/>
           <a:p>
             <a:r>
-              <a:rPr lang="es-AR" dirty="0" smtClean="0">
+              <a:rPr lang="es-AR" dirty="0">
                 <a:solidFill>
                   <a:schemeClr val="bg1"/>
                 </a:solidFill>
               </a:rPr>
               <a:t>Sprint 2</a:t>
             </a:r>
-            <a:endParaRPr lang="es-AR" dirty="0">
-              <a:solidFill>
-                <a:schemeClr val="bg1"/>
-              </a:solidFill>
-            </a:endParaRPr>
           </a:p>
         </p:txBody>
       </p:sp>
@@ -3547,7 +3532,7 @@
           <a:lstStyle/>
           <a:p>
             <a:r>
-              <a:rPr lang="es-AR" dirty="0" smtClean="0">
+              <a:rPr lang="es-AR" dirty="0">
                 <a:solidFill>
                   <a:schemeClr val="bg1"/>
                 </a:solidFill>
@@ -3557,7 +3542,7 @@
           </a:p>
           <a:p>
             <a:r>
-              <a:rPr lang="es-AR" dirty="0" smtClean="0">
+              <a:rPr lang="es-AR" dirty="0">
                 <a:solidFill>
                   <a:schemeClr val="bg1"/>
                 </a:solidFill>
@@ -3567,7 +3552,7 @@
           </a:p>
           <a:p>
             <a:r>
-              <a:rPr lang="es-AR" dirty="0" smtClean="0">
+              <a:rPr lang="es-AR" dirty="0">
                 <a:solidFill>
                   <a:schemeClr val="bg1"/>
                 </a:solidFill>
@@ -3577,7 +3562,7 @@
           </a:p>
           <a:p>
             <a:r>
-              <a:rPr lang="es-AR" dirty="0" smtClean="0">
+              <a:rPr lang="es-AR" dirty="0">
                 <a:solidFill>
                   <a:schemeClr val="bg1"/>
                 </a:solidFill>
@@ -3587,7 +3572,7 @@
           </a:p>
           <a:p>
             <a:r>
-              <a:rPr lang="es-AR" dirty="0" smtClean="0">
+              <a:rPr lang="es-AR" dirty="0">
                 <a:solidFill>
                   <a:schemeClr val="bg1"/>
                 </a:solidFill>
@@ -3595,7 +3580,7 @@
               <a:t>Desarrollo en </a:t>
             </a:r>
             <a:r>
-              <a:rPr lang="es-AR" dirty="0" err="1" smtClean="0">
+              <a:rPr lang="es-AR" dirty="0" err="1">
                 <a:solidFill>
                   <a:schemeClr val="bg1"/>
                 </a:solidFill>
@@ -3603,7 +3588,7 @@
               <a:t>Jupyter</a:t>
             </a:r>
             <a:r>
-              <a:rPr lang="es-AR" dirty="0" smtClean="0">
+              <a:rPr lang="es-AR" dirty="0">
                 <a:solidFill>
                   <a:schemeClr val="bg1"/>
                 </a:solidFill>
@@ -3678,12 +3663,82 @@
           <a:lstStyle/>
           <a:p>
             <a:r>
-              <a:rPr lang="es-AR" dirty="0" smtClean="0">
+              <a:rPr lang="es-AR" dirty="0">
                 <a:solidFill>
                   <a:schemeClr val="bg1"/>
                 </a:solidFill>
               </a:rPr>
               <a:t>Sprint 3</a:t>
+            </a:r>
+          </a:p>
+        </p:txBody>
+      </p:sp>
+      <p:sp>
+        <p:nvSpPr>
+          <p:cNvPr id="3" name="2 Marcador de contenido"/>
+          <p:cNvSpPr>
+            <a:spLocks noGrp="1"/>
+          </p:cNvSpPr>
+          <p:nvPr>
+            <p:ph idx="1"/>
+          </p:nvPr>
+        </p:nvSpPr>
+        <p:spPr/>
+        <p:txBody>
+          <a:bodyPr/>
+          <a:lstStyle/>
+          <a:p>
+            <a:r>
+              <a:rPr lang="es-AR" dirty="0">
+                <a:solidFill>
+                  <a:schemeClr val="bg1"/>
+                </a:solidFill>
+              </a:rPr>
+              <a:t>Bases de Datos</a:t>
+            </a:r>
+          </a:p>
+          <a:p>
+            <a:r>
+              <a:rPr lang="es-AR" dirty="0">
+                <a:solidFill>
+                  <a:schemeClr val="bg1"/>
+                </a:solidFill>
+              </a:rPr>
+              <a:t>Descarga del enunciado</a:t>
+            </a:r>
+          </a:p>
+          <a:p>
+            <a:r>
+              <a:rPr lang="es-AR" dirty="0">
+                <a:solidFill>
+                  <a:schemeClr val="bg1"/>
+                </a:solidFill>
+              </a:rPr>
+              <a:t>Levantar DB </a:t>
+            </a:r>
+            <a:r>
+              <a:rPr lang="es-AR" dirty="0" err="1">
+                <a:solidFill>
+                  <a:schemeClr val="bg1"/>
+                </a:solidFill>
+              </a:rPr>
+              <a:t>emplyees</a:t>
+            </a:r>
+            <a:r>
+              <a:rPr lang="es-AR" dirty="0">
+                <a:solidFill>
+                  <a:schemeClr val="bg1"/>
+                </a:solidFill>
+              </a:rPr>
+              <a:t> en </a:t>
+            </a:r>
+            <a:r>
+              <a:rPr lang="es-AR" dirty="0" err="1">
+                <a:solidFill>
+                  <a:schemeClr val="bg1"/>
+                </a:solidFill>
+              </a:rPr>
+              <a:t>MySQL</a:t>
             </a:r>
             <a:endParaRPr lang="es-AR" dirty="0">
               <a:solidFill>
@@ -3691,84 +3746,9 @@
               </a:solidFill>
             </a:endParaRPr>
           </a:p>
-        </p:txBody>
-      </p:sp>
-      <p:sp>
-        <p:nvSpPr>
-          <p:cNvPr id="3" name="2 Marcador de contenido"/>
-          <p:cNvSpPr>
-            <a:spLocks noGrp="1"/>
-          </p:cNvSpPr>
-          <p:nvPr>
-            <p:ph idx="1"/>
-          </p:nvPr>
-        </p:nvSpPr>
-        <p:spPr/>
-        <p:txBody>
-          <a:bodyPr/>
-          <a:lstStyle/>
-          <a:p>
-            <a:r>
-              <a:rPr lang="es-AR" dirty="0" smtClean="0">
-                <a:solidFill>
-                  <a:schemeClr val="bg1"/>
-                </a:solidFill>
-              </a:rPr>
-              <a:t>Bases de Datos</a:t>
-            </a:r>
-          </a:p>
-          <a:p>
-            <a:r>
-              <a:rPr lang="es-AR" dirty="0" smtClean="0">
-                <a:solidFill>
-                  <a:schemeClr val="bg1"/>
-                </a:solidFill>
-              </a:rPr>
-              <a:t>Descarga del enunciado</a:t>
-            </a:r>
-          </a:p>
-          <a:p>
-            <a:r>
-              <a:rPr lang="es-AR" dirty="0" smtClean="0">
-                <a:solidFill>
-                  <a:schemeClr val="bg1"/>
-                </a:solidFill>
-              </a:rPr>
-              <a:t>Levantar DB </a:t>
-            </a:r>
-            <a:r>
-              <a:rPr lang="es-AR" dirty="0" err="1" smtClean="0">
-                <a:solidFill>
-                  <a:schemeClr val="bg1"/>
-                </a:solidFill>
-              </a:rPr>
-              <a:t>emplyees</a:t>
-            </a:r>
-            <a:r>
-              <a:rPr lang="es-AR" dirty="0" smtClean="0">
-                <a:solidFill>
-                  <a:schemeClr val="bg1"/>
-                </a:solidFill>
-              </a:rPr>
-              <a:t> en </a:t>
-            </a:r>
-            <a:r>
-              <a:rPr lang="es-AR" dirty="0" err="1" smtClean="0">
-                <a:solidFill>
-                  <a:schemeClr val="bg1"/>
-                </a:solidFill>
-              </a:rPr>
-              <a:t>MySQL</a:t>
-            </a:r>
-            <a:endParaRPr lang="es-AR" dirty="0" smtClean="0">
-              <a:solidFill>
-                <a:schemeClr val="bg1"/>
-              </a:solidFill>
-            </a:endParaRPr>
-          </a:p>
-          <a:p>
-            <a:r>
-              <a:rPr lang="es-AR" dirty="0" smtClean="0">
+          <a:p>
+            <a:r>
+              <a:rPr lang="es-AR" dirty="0">
                 <a:solidFill>
                   <a:schemeClr val="bg1"/>
                 </a:solidFill>
@@ -3778,7 +3758,7 @@
           </a:p>
           <a:p>
             <a:r>
-              <a:rPr lang="es-AR" dirty="0" smtClean="0">
+              <a:rPr lang="es-AR" dirty="0">
                 <a:solidFill>
                   <a:schemeClr val="bg1"/>
                 </a:solidFill>
@@ -3788,7 +3768,7 @@
           </a:p>
           <a:p>
             <a:r>
-              <a:rPr lang="es-AR" dirty="0" smtClean="0">
+              <a:rPr lang="es-AR" dirty="0">
                 <a:solidFill>
                   <a:schemeClr val="bg1"/>
                 </a:solidFill>
@@ -3798,7 +3778,7 @@
           </a:p>
           <a:p>
             <a:r>
-              <a:rPr lang="es-AR" dirty="0" smtClean="0">
+              <a:rPr lang="es-AR" dirty="0">
                 <a:solidFill>
                   <a:schemeClr val="bg1"/>
                 </a:solidFill>
